--- a/文档/享学笔记/java基础/线程.pptx
+++ b/文档/享学笔记/java基础/线程.pptx
@@ -20,9 +20,10 @@
     <p:sldId id="267" r:id="rId14"/>
     <p:sldId id="272" r:id="rId15"/>
     <p:sldId id="273" r:id="rId16"/>
-    <p:sldId id="269" r:id="rId17"/>
-    <p:sldId id="270" r:id="rId18"/>
-    <p:sldId id="271" r:id="rId19"/>
+    <p:sldId id="275" r:id="rId17"/>
+    <p:sldId id="276" r:id="rId18"/>
+    <p:sldId id="277" r:id="rId19"/>
+    <p:sldId id="278" r:id="rId20"/>
   </p:sldIdLst>
   <p:sldSz cx="12192000" cy="6858000"/>
   <p:notesSz cx="6858000" cy="9144000"/>
@@ -260,7 +261,7 @@
           <a:p>
             <a:fld id="{C00C059F-7BF5-4FA1-9171-006ED154C637}" type="datetimeFigureOut">
               <a:rPr lang="zh-CN" altLang="en-US" smtClean="0"/>
-              <a:t>2021-11-3</a:t>
+              <a:t>2021-11-4</a:t>
             </a:fld>
             <a:endParaRPr lang="zh-CN" altLang="en-US"/>
           </a:p>
@@ -430,7 +431,7 @@
           <a:p>
             <a:fld id="{C00C059F-7BF5-4FA1-9171-006ED154C637}" type="datetimeFigureOut">
               <a:rPr lang="zh-CN" altLang="en-US" smtClean="0"/>
-              <a:t>2021-11-3</a:t>
+              <a:t>2021-11-4</a:t>
             </a:fld>
             <a:endParaRPr lang="zh-CN" altLang="en-US"/>
           </a:p>
@@ -610,7 +611,7 @@
           <a:p>
             <a:fld id="{C00C059F-7BF5-4FA1-9171-006ED154C637}" type="datetimeFigureOut">
               <a:rPr lang="zh-CN" altLang="en-US" smtClean="0"/>
-              <a:t>2021-11-3</a:t>
+              <a:t>2021-11-4</a:t>
             </a:fld>
             <a:endParaRPr lang="zh-CN" altLang="en-US"/>
           </a:p>
@@ -780,7 +781,7 @@
           <a:p>
             <a:fld id="{C00C059F-7BF5-4FA1-9171-006ED154C637}" type="datetimeFigureOut">
               <a:rPr lang="zh-CN" altLang="en-US" smtClean="0"/>
-              <a:t>2021-11-3</a:t>
+              <a:t>2021-11-4</a:t>
             </a:fld>
             <a:endParaRPr lang="zh-CN" altLang="en-US"/>
           </a:p>
@@ -1026,7 +1027,7 @@
           <a:p>
             <a:fld id="{C00C059F-7BF5-4FA1-9171-006ED154C637}" type="datetimeFigureOut">
               <a:rPr lang="zh-CN" altLang="en-US" smtClean="0"/>
-              <a:t>2021-11-3</a:t>
+              <a:t>2021-11-4</a:t>
             </a:fld>
             <a:endParaRPr lang="zh-CN" altLang="en-US"/>
           </a:p>
@@ -1258,7 +1259,7 @@
           <a:p>
             <a:fld id="{C00C059F-7BF5-4FA1-9171-006ED154C637}" type="datetimeFigureOut">
               <a:rPr lang="zh-CN" altLang="en-US" smtClean="0"/>
-              <a:t>2021-11-3</a:t>
+              <a:t>2021-11-4</a:t>
             </a:fld>
             <a:endParaRPr lang="zh-CN" altLang="en-US"/>
           </a:p>
@@ -1625,7 +1626,7 @@
           <a:p>
             <a:fld id="{C00C059F-7BF5-4FA1-9171-006ED154C637}" type="datetimeFigureOut">
               <a:rPr lang="zh-CN" altLang="en-US" smtClean="0"/>
-              <a:t>2021-11-3</a:t>
+              <a:t>2021-11-4</a:t>
             </a:fld>
             <a:endParaRPr lang="zh-CN" altLang="en-US"/>
           </a:p>
@@ -1743,7 +1744,7 @@
           <a:p>
             <a:fld id="{C00C059F-7BF5-4FA1-9171-006ED154C637}" type="datetimeFigureOut">
               <a:rPr lang="zh-CN" altLang="en-US" smtClean="0"/>
-              <a:t>2021-11-3</a:t>
+              <a:t>2021-11-4</a:t>
             </a:fld>
             <a:endParaRPr lang="zh-CN" altLang="en-US"/>
           </a:p>
@@ -1838,7 +1839,7 @@
           <a:p>
             <a:fld id="{C00C059F-7BF5-4FA1-9171-006ED154C637}" type="datetimeFigureOut">
               <a:rPr lang="zh-CN" altLang="en-US" smtClean="0"/>
-              <a:t>2021-11-3</a:t>
+              <a:t>2021-11-4</a:t>
             </a:fld>
             <a:endParaRPr lang="zh-CN" altLang="en-US"/>
           </a:p>
@@ -2115,7 +2116,7 @@
           <a:p>
             <a:fld id="{C00C059F-7BF5-4FA1-9171-006ED154C637}" type="datetimeFigureOut">
               <a:rPr lang="zh-CN" altLang="en-US" smtClean="0"/>
-              <a:t>2021-11-3</a:t>
+              <a:t>2021-11-4</a:t>
             </a:fld>
             <a:endParaRPr lang="zh-CN" altLang="en-US"/>
           </a:p>
@@ -2368,7 +2369,7 @@
           <a:p>
             <a:fld id="{C00C059F-7BF5-4FA1-9171-006ED154C637}" type="datetimeFigureOut">
               <a:rPr lang="zh-CN" altLang="en-US" smtClean="0"/>
-              <a:t>2021-11-3</a:t>
+              <a:t>2021-11-4</a:t>
             </a:fld>
             <a:endParaRPr lang="zh-CN" altLang="en-US"/>
           </a:p>
@@ -2581,7 +2582,7 @@
           <a:p>
             <a:fld id="{C00C059F-7BF5-4FA1-9171-006ED154C637}" type="datetimeFigureOut">
               <a:rPr lang="zh-CN" altLang="en-US" smtClean="0"/>
-              <a:t>2021-11-3</a:t>
+              <a:t>2021-11-4</a:t>
             </a:fld>
             <a:endParaRPr lang="zh-CN" altLang="en-US"/>
           </a:p>
@@ -8170,13 +8171,6 @@
               </a:rPr>
               <a:t>的实现原理</a:t>
             </a:r>
-            <a:endParaRPr lang="zh-CN" altLang="en-US" sz="2667" dirty="0" smtClean="0">
-              <a:solidFill>
-                <a:srgbClr val="1D69A3"/>
-              </a:solidFill>
-              <a:latin typeface="微软雅黑" pitchFamily="34" charset="-122"/>
-              <a:ea typeface="微软雅黑" pitchFamily="34" charset="-122"/>
-            </a:endParaRPr>
           </a:p>
         </p:txBody>
       </p:sp>
@@ -8961,7 +8955,7 @@
         </p:nvSpPr>
         <p:spPr bwMode="auto">
           <a:xfrm>
-            <a:off x="554879" y="371042"/>
+            <a:off x="704809" y="412288"/>
             <a:ext cx="5357406" cy="410433"/>
           </a:xfrm>
           <a:prstGeom prst="rect">
@@ -8999,22 +8993,15 @@
           <a:p>
             <a:pPr defTabSz="1219170"/>
             <a:r>
-              <a:rPr lang="zh-CN" altLang="en-US" sz="2667" dirty="0">
+              <a:rPr lang="zh-CN" altLang="en-US" sz="2667" dirty="0" smtClean="0">
                 <a:solidFill>
                   <a:srgbClr val="1D69A3"/>
                 </a:solidFill>
                 <a:latin typeface="微软雅黑" pitchFamily="34" charset="-122"/>
                 <a:ea typeface="微软雅黑" pitchFamily="34" charset="-122"/>
               </a:rPr>
-              <a:t>死锁</a:t>
-            </a:r>
-            <a:endParaRPr lang="zh-CN" altLang="en-US" sz="2667" dirty="0" smtClean="0">
-              <a:solidFill>
-                <a:srgbClr val="1D69A3"/>
-              </a:solidFill>
-              <a:latin typeface="微软雅黑" pitchFamily="34" charset="-122"/>
-              <a:ea typeface="微软雅黑" pitchFamily="34" charset="-122"/>
-            </a:endParaRPr>
+              <a:t>线程池</a:t>
+            </a:r>
           </a:p>
         </p:txBody>
       </p:sp>
@@ -9245,10 +9232,40 @@
           </p:txBody>
         </p:sp>
       </p:grpSp>
+      <p:pic>
+        <p:nvPicPr>
+          <p:cNvPr id="2" name="图片 1"/>
+          <p:cNvPicPr>
+            <a:picLocks noChangeAspect="1"/>
+          </p:cNvPicPr>
+          <p:nvPr/>
+        </p:nvPicPr>
+        <p:blipFill>
+          <a:blip r:embed="rId4">
+            <a:extLst>
+              <a:ext uri="{28A0092B-C50C-407E-A947-70E740481C1C}">
+                <a14:useLocalDpi xmlns:a14="http://schemas.microsoft.com/office/drawing/2010/main" val="0"/>
+              </a:ext>
+            </a:extLst>
+          </a:blip>
+          <a:stretch>
+            <a:fillRect/>
+          </a:stretch>
+        </p:blipFill>
+        <p:spPr>
+          <a:xfrm>
+            <a:off x="3500845" y="822721"/>
+            <a:ext cx="6039407" cy="5609826"/>
+          </a:xfrm>
+          <a:prstGeom prst="rect">
+            <a:avLst/>
+          </a:prstGeom>
+        </p:spPr>
+      </p:pic>
     </p:spTree>
     <p:extLst>
       <p:ext uri="{BB962C8B-B14F-4D97-AF65-F5344CB8AC3E}">
-        <p14:creationId xmlns:p14="http://schemas.microsoft.com/office/powerpoint/2010/main" val="4232336395"/>
+        <p14:creationId xmlns:p14="http://schemas.microsoft.com/office/powerpoint/2010/main" val="3012189156"/>
       </p:ext>
     </p:extLst>
   </p:cSld>
@@ -9619,8 +9636,8 @@
         </p:nvSpPr>
         <p:spPr bwMode="auto">
           <a:xfrm>
-            <a:off x="554879" y="371042"/>
-            <a:ext cx="5357406" cy="410433"/>
+            <a:off x="554878" y="371042"/>
+            <a:ext cx="7954121" cy="430887"/>
           </a:xfrm>
           <a:prstGeom prst="rect">
             <a:avLst/>
@@ -9657,16 +9674,16 @@
           <a:p>
             <a:pPr defTabSz="1219170"/>
             <a:r>
-              <a:rPr lang="zh-CN" altLang="en-US" sz="2667" dirty="0">
+              <a:rPr lang="en-US" altLang="zh-CN" sz="2800" dirty="0" smtClean="0">
                 <a:solidFill>
                   <a:srgbClr val="1D69A3"/>
                 </a:solidFill>
                 <a:latin typeface="微软雅黑" pitchFamily="34" charset="-122"/>
                 <a:ea typeface="微软雅黑" pitchFamily="34" charset="-122"/>
               </a:rPr>
-              <a:t>死锁</a:t>
-            </a:r>
-            <a:endParaRPr lang="zh-CN" altLang="en-US" sz="2667" dirty="0" smtClean="0">
+              <a:t>Synchronized</a:t>
+            </a:r>
+            <a:endParaRPr lang="zh-CN" altLang="en-US" sz="2800" dirty="0">
               <a:solidFill>
                 <a:srgbClr val="1D69A3"/>
               </a:solidFill>
@@ -9903,10 +9920,181 @@
           </p:txBody>
         </p:sp>
       </p:grpSp>
+      <p:sp>
+        <p:nvSpPr>
+          <p:cNvPr id="2" name="文本框 1"/>
+          <p:cNvSpPr txBox="1"/>
+          <p:nvPr/>
+        </p:nvSpPr>
+        <p:spPr>
+          <a:xfrm>
+            <a:off x="554877" y="1384300"/>
+            <a:ext cx="9630523" cy="3970318"/>
+          </a:xfrm>
+          <a:prstGeom prst="rect">
+            <a:avLst/>
+          </a:prstGeom>
+          <a:noFill/>
+        </p:spPr>
+        <p:txBody>
+          <a:bodyPr wrap="square" rtlCol="0">
+            <a:spAutoFit/>
+          </a:bodyPr>
+          <a:lstStyle/>
+          <a:p>
+            <a:r>
+              <a:rPr lang="en-US" altLang="zh-CN" b="1" dirty="0" smtClean="0"/>
+              <a:t>1.synchronized(this)</a:t>
+            </a:r>
+            <a:r>
+              <a:rPr lang="zh-CN" altLang="en-US" b="1" dirty="0" smtClean="0"/>
+              <a:t>原理以及与</a:t>
+            </a:r>
+            <a:r>
+              <a:rPr lang="en-US" altLang="zh-CN" b="1" dirty="0" err="1" smtClean="0"/>
+              <a:t>ReentrantLock</a:t>
+            </a:r>
+            <a:r>
+              <a:rPr lang="zh-CN" altLang="en-US" b="1" dirty="0" smtClean="0"/>
+              <a:t>的区别</a:t>
+            </a:r>
+            <a:endParaRPr lang="en-US" altLang="zh-CN" b="1" dirty="0" smtClean="0"/>
+          </a:p>
+          <a:p>
+            <a:endParaRPr lang="en-US" altLang="zh-CN" b="1" dirty="0"/>
+          </a:p>
+          <a:p>
+            <a:r>
+              <a:rPr lang="en-US" altLang="zh-CN" dirty="0"/>
+              <a:t>synchronized (this)</a:t>
+            </a:r>
+            <a:r>
+              <a:rPr lang="zh-CN" altLang="zh-CN" dirty="0"/>
+              <a:t>原理：涉及两条指令：</a:t>
+            </a:r>
+            <a:r>
+              <a:rPr lang="en-US" altLang="zh-CN" dirty="0" err="1"/>
+              <a:t>monitorenter</a:t>
+            </a:r>
+            <a:r>
+              <a:rPr lang="zh-CN" altLang="zh-CN" dirty="0"/>
+              <a:t>，</a:t>
+            </a:r>
+            <a:r>
+              <a:rPr lang="en-US" altLang="zh-CN" dirty="0" err="1"/>
+              <a:t>monitorexit</a:t>
+            </a:r>
+            <a:r>
+              <a:rPr lang="zh-CN" altLang="zh-CN" dirty="0"/>
+              <a:t>；再说同步方法，从同步方法反编译的结果来看，方法的同步并没有通过指令</a:t>
+            </a:r>
+            <a:r>
+              <a:rPr lang="en-US" altLang="zh-CN" dirty="0" err="1"/>
+              <a:t>monitorenter</a:t>
+            </a:r>
+            <a:r>
+              <a:rPr lang="zh-CN" altLang="zh-CN" dirty="0"/>
+              <a:t>和</a:t>
+            </a:r>
+            <a:r>
+              <a:rPr lang="en-US" altLang="zh-CN" dirty="0" err="1"/>
+              <a:t>monitorexit</a:t>
+            </a:r>
+            <a:r>
+              <a:rPr lang="zh-CN" altLang="zh-CN" dirty="0"/>
+              <a:t>来实现，相对于普通方法，其常量池中多了</a:t>
+            </a:r>
+            <a:r>
+              <a:rPr lang="en-US" altLang="zh-CN" dirty="0"/>
+              <a:t>ACC_SYNCHRONIZED</a:t>
+            </a:r>
+            <a:r>
+              <a:rPr lang="zh-CN" altLang="zh-CN" dirty="0"/>
+              <a:t>标示符。</a:t>
+            </a:r>
+          </a:p>
+          <a:p>
+            <a:r>
+              <a:rPr lang="en-US" altLang="zh-CN" dirty="0"/>
+              <a:t>JVM</a:t>
+            </a:r>
+            <a:r>
+              <a:rPr lang="zh-CN" altLang="zh-CN" dirty="0"/>
+              <a:t>就是根据该标示符来实现方法的同步的：当方法被调用时，调用指令将会检查方法的</a:t>
+            </a:r>
+            <a:r>
+              <a:rPr lang="en-US" altLang="zh-CN" dirty="0"/>
+              <a:t> ACC_SYNCHRONIZED </a:t>
+            </a:r>
+            <a:r>
+              <a:rPr lang="zh-CN" altLang="zh-CN" dirty="0"/>
+              <a:t>访问标志是否被设置，如果设置了，执行线程将先获取</a:t>
+            </a:r>
+            <a:r>
+              <a:rPr lang="en-US" altLang="zh-CN" dirty="0"/>
+              <a:t>monitor</a:t>
+            </a:r>
+            <a:r>
+              <a:rPr lang="zh-CN" altLang="zh-CN" dirty="0"/>
+              <a:t>，获取成功之后才能执行方法体，方法执行完后再释放</a:t>
+            </a:r>
+            <a:r>
+              <a:rPr lang="en-US" altLang="zh-CN" dirty="0"/>
+              <a:t>monitor</a:t>
+            </a:r>
+            <a:r>
+              <a:rPr lang="zh-CN" altLang="zh-CN" dirty="0"/>
+              <a:t>。在方法执行期间，其他任何线程都无法再获得同一个</a:t>
+            </a:r>
+            <a:r>
+              <a:rPr lang="en-US" altLang="zh-CN" dirty="0"/>
+              <a:t>monitor</a:t>
+            </a:r>
+            <a:r>
+              <a:rPr lang="zh-CN" altLang="zh-CN" dirty="0"/>
+              <a:t>对象。</a:t>
+            </a:r>
+          </a:p>
+          <a:p>
+            <a:r>
+              <a:rPr lang="en-US" altLang="zh-CN" dirty="0"/>
+              <a:t>Synchronized</a:t>
+            </a:r>
+            <a:r>
+              <a:rPr lang="zh-CN" altLang="zh-CN" dirty="0"/>
+              <a:t>：内置锁，关键字，非公平锁</a:t>
+            </a:r>
+          </a:p>
+          <a:p>
+            <a:r>
+              <a:rPr lang="en-US" altLang="zh-CN" dirty="0" err="1"/>
+              <a:t>ReentrantLock</a:t>
+            </a:r>
+            <a:r>
+              <a:rPr lang="zh-CN" altLang="zh-CN" dirty="0"/>
+              <a:t>：显示锁，对象，提供</a:t>
+            </a:r>
+            <a:r>
+              <a:rPr lang="en-US" altLang="zh-CN" dirty="0"/>
+              <a:t>synchronized</a:t>
+            </a:r>
+            <a:r>
+              <a:rPr lang="zh-CN" altLang="zh-CN" dirty="0"/>
+              <a:t>所没有提供的方法，比如拿锁的过程，可中断。可尝试拿锁，（还提供了公平锁）</a:t>
+            </a:r>
+          </a:p>
+          <a:p>
+            <a:endParaRPr lang="en-US" altLang="zh-CN" b="1" dirty="0" smtClean="0"/>
+          </a:p>
+          <a:p>
+            <a:endParaRPr lang="zh-CN" altLang="en-US" dirty="0"/>
+          </a:p>
+        </p:txBody>
+      </p:sp>
     </p:spTree>
     <p:extLst>
       <p:ext uri="{BB962C8B-B14F-4D97-AF65-F5344CB8AC3E}">
-        <p14:creationId xmlns:p14="http://schemas.microsoft.com/office/powerpoint/2010/main" val="898711699"/>
+        <p14:creationId xmlns:p14="http://schemas.microsoft.com/office/powerpoint/2010/main" val="552535560"/>
       </p:ext>
     </p:extLst>
   </p:cSld>
@@ -10278,7 +10466,7 @@
         <p:spPr bwMode="auto">
           <a:xfrm>
             <a:off x="554879" y="371042"/>
-            <a:ext cx="5357406" cy="410433"/>
+            <a:ext cx="5357406" cy="779765"/>
           </a:xfrm>
           <a:prstGeom prst="rect">
             <a:avLst/>
@@ -10315,15 +10503,25 @@
           <a:p>
             <a:pPr defTabSz="1219170"/>
             <a:r>
-              <a:rPr lang="zh-CN" altLang="en-US" sz="2667" dirty="0">
+              <a:rPr lang="en-US" altLang="zh-CN" sz="2400" dirty="0">
                 <a:solidFill>
                   <a:srgbClr val="1D69A3"/>
                 </a:solidFill>
                 <a:latin typeface="微软雅黑" pitchFamily="34" charset="-122"/>
                 <a:ea typeface="微软雅黑" pitchFamily="34" charset="-122"/>
               </a:rPr>
-              <a:t>死锁</a:t>
-            </a:r>
+              <a:t>Synchronized</a:t>
+            </a:r>
+            <a:endParaRPr lang="zh-CN" altLang="en-US" sz="2400" dirty="0">
+              <a:solidFill>
+                <a:srgbClr val="1D69A3"/>
+              </a:solidFill>
+              <a:latin typeface="微软雅黑" pitchFamily="34" charset="-122"/>
+              <a:ea typeface="微软雅黑" pitchFamily="34" charset="-122"/>
+            </a:endParaRPr>
+          </a:p>
+          <a:p>
+            <a:pPr defTabSz="1219170"/>
             <a:endParaRPr lang="zh-CN" altLang="en-US" sz="2667" dirty="0" smtClean="0">
               <a:solidFill>
                 <a:srgbClr val="1D69A3"/>
@@ -10561,10 +10759,1161 @@
           </p:txBody>
         </p:sp>
       </p:grpSp>
+      <p:sp>
+        <p:nvSpPr>
+          <p:cNvPr id="2" name="文本框 1"/>
+          <p:cNvSpPr txBox="1"/>
+          <p:nvPr/>
+        </p:nvSpPr>
+        <p:spPr>
+          <a:xfrm>
+            <a:off x="554877" y="1320800"/>
+            <a:ext cx="9512300" cy="2585323"/>
+          </a:xfrm>
+          <a:prstGeom prst="rect">
+            <a:avLst/>
+          </a:prstGeom>
+          <a:noFill/>
+        </p:spPr>
+        <p:txBody>
+          <a:bodyPr wrap="square" rtlCol="0">
+            <a:spAutoFit/>
+          </a:bodyPr>
+          <a:lstStyle/>
+          <a:p>
+            <a:r>
+              <a:rPr lang="en-US" altLang="zh-CN" b="1" dirty="0" smtClean="0"/>
+              <a:t>1.volatile</a:t>
+            </a:r>
+            <a:r>
+              <a:rPr lang="zh-CN" altLang="zh-CN" b="1" dirty="0"/>
+              <a:t>和</a:t>
+            </a:r>
+            <a:r>
+              <a:rPr lang="en-US" altLang="zh-CN" b="1" dirty="0"/>
+              <a:t>synchronize</a:t>
+            </a:r>
+            <a:r>
+              <a:rPr lang="zh-CN" altLang="zh-CN" b="1" dirty="0"/>
+              <a:t>有什么区别？（</a:t>
+            </a:r>
+            <a:r>
+              <a:rPr lang="en-US" altLang="zh-CN" b="1" dirty="0"/>
+              <a:t>B</a:t>
+            </a:r>
+            <a:r>
+              <a:rPr lang="zh-CN" altLang="zh-CN" b="1" dirty="0"/>
+              <a:t>站</a:t>
+            </a:r>
+            <a:r>
+              <a:rPr lang="en-US" altLang="zh-CN" b="1" dirty="0"/>
+              <a:t> </a:t>
+            </a:r>
+            <a:r>
+              <a:rPr lang="zh-CN" altLang="zh-CN" b="1" dirty="0"/>
+              <a:t>小米</a:t>
+            </a:r>
+            <a:r>
+              <a:rPr lang="en-US" altLang="zh-CN" b="1" dirty="0"/>
+              <a:t> </a:t>
+            </a:r>
+            <a:r>
+              <a:rPr lang="zh-CN" altLang="zh-CN" b="1" dirty="0"/>
+              <a:t>京东）</a:t>
+            </a:r>
+          </a:p>
+          <a:p>
+            <a:r>
+              <a:rPr lang="en-US" altLang="zh-CN" dirty="0"/>
+              <a:t>volatile</a:t>
+            </a:r>
+            <a:r>
+              <a:rPr lang="zh-CN" altLang="zh-CN" dirty="0"/>
+              <a:t>是最轻量的同步机制。</a:t>
+            </a:r>
+          </a:p>
+          <a:p>
+            <a:r>
+              <a:rPr lang="en-US" altLang="zh-CN" dirty="0"/>
+              <a:t>volatile</a:t>
+            </a:r>
+            <a:r>
+              <a:rPr lang="zh-CN" altLang="zh-CN" dirty="0"/>
+              <a:t>保证了不同线程对这个变量进行操作时的可见性，即一个线程修改了某个变量的值，这新值对其他线程来说是立即可见的。但是</a:t>
+            </a:r>
+            <a:r>
+              <a:rPr lang="en-US" altLang="zh-CN" dirty="0"/>
+              <a:t>volatile</a:t>
+            </a:r>
+            <a:r>
+              <a:rPr lang="zh-CN" altLang="zh-CN" dirty="0"/>
+              <a:t>不能保证操作的原子性，因此多线程下的写复合操作会导致线程安全问题。</a:t>
+            </a:r>
+          </a:p>
+          <a:p>
+            <a:r>
+              <a:rPr lang="zh-CN" altLang="zh-CN" dirty="0"/>
+              <a:t>关键字</a:t>
+            </a:r>
+            <a:r>
+              <a:rPr lang="en-US" altLang="zh-CN" dirty="0"/>
+              <a:t>synchronized</a:t>
+            </a:r>
+            <a:r>
+              <a:rPr lang="zh-CN" altLang="zh-CN" dirty="0"/>
+              <a:t>可以修饰方法或者以同步块的形式来进行使用，它主要确保多个线程在同一个时刻，只能有一个线程处于方法或者同步块中，它保证了线程对变量访问的可见性和排他性，又称为内置锁机制。</a:t>
+            </a:r>
+          </a:p>
+          <a:p>
+            <a:endParaRPr lang="zh-CN" altLang="en-US" dirty="0"/>
+          </a:p>
+        </p:txBody>
+      </p:sp>
+      <p:sp>
+        <p:nvSpPr>
+          <p:cNvPr id="3" name="文本框 2"/>
+          <p:cNvSpPr txBox="1"/>
+          <p:nvPr/>
+        </p:nvSpPr>
+        <p:spPr>
+          <a:xfrm>
+            <a:off x="554877" y="3913346"/>
+            <a:ext cx="9061491" cy="2308324"/>
+          </a:xfrm>
+          <a:prstGeom prst="rect">
+            <a:avLst/>
+          </a:prstGeom>
+          <a:noFill/>
+        </p:spPr>
+        <p:txBody>
+          <a:bodyPr wrap="square" rtlCol="0">
+            <a:spAutoFit/>
+          </a:bodyPr>
+          <a:lstStyle/>
+          <a:p>
+            <a:r>
+              <a:rPr lang="en-US" altLang="zh-CN" b="1" dirty="0" smtClean="0"/>
+              <a:t>2.volatile</a:t>
+            </a:r>
+            <a:r>
+              <a:rPr lang="en-US" altLang="zh-CN" b="1" dirty="0"/>
+              <a:t> </a:t>
+            </a:r>
+            <a:r>
+              <a:rPr lang="zh-CN" altLang="zh-CN" b="1" dirty="0"/>
+              <a:t>能否保证线程安全？在</a:t>
+            </a:r>
+            <a:r>
+              <a:rPr lang="en-US" altLang="zh-CN" b="1" dirty="0"/>
+              <a:t>DCL</a:t>
+            </a:r>
+            <a:r>
+              <a:rPr lang="zh-CN" altLang="zh-CN" b="1" dirty="0"/>
+              <a:t>上的作用是什么？</a:t>
+            </a:r>
+          </a:p>
+          <a:p>
+            <a:r>
+              <a:rPr lang="en-US" altLang="zh-CN" dirty="0"/>
+              <a:t>DCL</a:t>
+            </a:r>
+            <a:r>
+              <a:rPr lang="zh-CN" altLang="zh-CN" dirty="0"/>
+              <a:t>：双重检查锁定</a:t>
+            </a:r>
+          </a:p>
+          <a:p>
+            <a:r>
+              <a:rPr lang="zh-CN" altLang="zh-CN" dirty="0"/>
+              <a:t>不能保证，在</a:t>
+            </a:r>
+            <a:r>
+              <a:rPr lang="en-US" altLang="zh-CN" dirty="0"/>
+              <a:t>DCL</a:t>
+            </a:r>
+            <a:r>
+              <a:rPr lang="zh-CN" altLang="zh-CN" dirty="0"/>
+              <a:t>的作用是：</a:t>
+            </a:r>
+            <a:r>
+              <a:rPr lang="en-US" altLang="zh-CN" dirty="0"/>
+              <a:t>volatile</a:t>
+            </a:r>
+            <a:r>
+              <a:rPr lang="zh-CN" altLang="zh-CN" dirty="0"/>
+              <a:t>是会保证被修饰的变量的可见性和 有序性，保证了单例模式下，保证在创建对象的时候的执行顺序一定是</a:t>
+            </a:r>
+          </a:p>
+          <a:p>
+            <a:r>
+              <a:rPr lang="en-US" altLang="zh-CN" dirty="0"/>
+              <a:t>1.</a:t>
+            </a:r>
+            <a:r>
+              <a:rPr lang="zh-CN" altLang="zh-CN" dirty="0"/>
+              <a:t>分配内存空间</a:t>
+            </a:r>
+          </a:p>
+          <a:p>
+            <a:r>
+              <a:rPr lang="en-US" altLang="zh-CN" dirty="0"/>
+              <a:t>2.</a:t>
+            </a:r>
+            <a:r>
+              <a:rPr lang="zh-CN" altLang="zh-CN" dirty="0"/>
+              <a:t>实例化对象</a:t>
+            </a:r>
+            <a:r>
+              <a:rPr lang="en-US" altLang="zh-CN" dirty="0"/>
+              <a:t>instance</a:t>
+            </a:r>
+            <a:endParaRPr lang="zh-CN" altLang="zh-CN" dirty="0"/>
+          </a:p>
+          <a:p>
+            <a:r>
+              <a:rPr lang="en-US" altLang="zh-CN" dirty="0"/>
+              <a:t>3.</a:t>
+            </a:r>
+            <a:r>
+              <a:rPr lang="zh-CN" altLang="zh-CN" dirty="0"/>
+              <a:t>把</a:t>
+            </a:r>
+            <a:r>
+              <a:rPr lang="en-US" altLang="zh-CN" dirty="0"/>
+              <a:t>instance</a:t>
+            </a:r>
+            <a:r>
+              <a:rPr lang="zh-CN" altLang="zh-CN" dirty="0"/>
+              <a:t>引用指向已分配的内存空间</a:t>
+            </a:r>
+            <a:r>
+              <a:rPr lang="en-US" altLang="zh-CN" dirty="0"/>
+              <a:t>,</a:t>
+            </a:r>
+            <a:r>
+              <a:rPr lang="zh-CN" altLang="zh-CN" dirty="0"/>
+              <a:t>此时</a:t>
+            </a:r>
+            <a:r>
+              <a:rPr lang="en-US" altLang="zh-CN" dirty="0"/>
+              <a:t>instance</a:t>
+            </a:r>
+            <a:r>
+              <a:rPr lang="zh-CN" altLang="zh-CN" dirty="0"/>
+              <a:t>有了内存地址</a:t>
+            </a:r>
+            <a:r>
+              <a:rPr lang="en-US" altLang="zh-CN" dirty="0"/>
+              <a:t>,</a:t>
+            </a:r>
+            <a:r>
+              <a:rPr lang="zh-CN" altLang="zh-CN" dirty="0"/>
+              <a:t>不再为</a:t>
+            </a:r>
+            <a:r>
+              <a:rPr lang="en-US" altLang="zh-CN" dirty="0"/>
+              <a:t>null</a:t>
+            </a:r>
+            <a:r>
+              <a:rPr lang="zh-CN" altLang="zh-CN" dirty="0"/>
+              <a:t>了</a:t>
+            </a:r>
+          </a:p>
+          <a:p>
+            <a:r>
+              <a:rPr lang="zh-CN" altLang="zh-CN" dirty="0"/>
+              <a:t>的步骤</a:t>
+            </a:r>
+            <a:r>
+              <a:rPr lang="en-US" altLang="zh-CN" dirty="0"/>
+              <a:t>, </a:t>
+            </a:r>
+            <a:r>
+              <a:rPr lang="zh-CN" altLang="zh-CN" dirty="0"/>
+              <a:t>从而保证了</a:t>
+            </a:r>
+            <a:r>
+              <a:rPr lang="en-US" altLang="zh-CN" dirty="0"/>
+              <a:t>instance</a:t>
+            </a:r>
+            <a:r>
+              <a:rPr lang="zh-CN" altLang="zh-CN" dirty="0"/>
+              <a:t>要么为</a:t>
+            </a:r>
+            <a:r>
+              <a:rPr lang="en-US" altLang="zh-CN" dirty="0"/>
+              <a:t>null </a:t>
+            </a:r>
+            <a:r>
+              <a:rPr lang="zh-CN" altLang="zh-CN" dirty="0"/>
+              <a:t>要么是已经完全初始化好的对象。</a:t>
+            </a:r>
+            <a:endParaRPr lang="zh-CN" altLang="en-US" dirty="0"/>
+          </a:p>
+        </p:txBody>
+      </p:sp>
     </p:spTree>
     <p:extLst>
       <p:ext uri="{BB962C8B-B14F-4D97-AF65-F5344CB8AC3E}">
-        <p14:creationId xmlns:p14="http://schemas.microsoft.com/office/powerpoint/2010/main" val="1751445690"/>
+        <p14:creationId xmlns:p14="http://schemas.microsoft.com/office/powerpoint/2010/main" val="3484012738"/>
+      </p:ext>
+    </p:extLst>
+  </p:cSld>
+  <p:clrMapOvr>
+    <a:masterClrMapping/>
+  </p:clrMapOvr>
+  <p:timing>
+    <p:tnLst>
+      <p:par>
+        <p:cTn id="1" dur="indefinite" restart="never" nodeType="tmRoot">
+          <p:childTnLst>
+            <p:seq concurrent="1" nextAc="seek">
+              <p:cTn id="2" dur="indefinite" nodeType="mainSeq">
+                <p:childTnLst>
+                  <p:par>
+                    <p:cTn id="3" fill="hold">
+                      <p:stCondLst>
+                        <p:cond delay="indefinite"/>
+                        <p:cond evt="onBegin" delay="0">
+                          <p:tn val="2"/>
+                        </p:cond>
+                      </p:stCondLst>
+                      <p:childTnLst>
+                        <p:par>
+                          <p:cTn id="4" fill="hold">
+                            <p:stCondLst>
+                              <p:cond delay="0"/>
+                            </p:stCondLst>
+                            <p:childTnLst>
+                              <p:par>
+                                <p:cTn id="5" presetID="0" presetClass="entr" presetSubtype="0" fill="hold" grpId="0" nodeType="withEffect">
+                                  <p:stCondLst>
+                                    <p:cond delay="0"/>
+                                  </p:stCondLst>
+                                  <p:iterate type="lt">
+                                    <p:tmPct val="10000"/>
+                                  </p:iterate>
+                                  <p:childTnLst>
+                                    <p:set>
+                                      <p:cBhvr>
+                                        <p:cTn id="6" dur="1" fill="hold">
+                                          <p:stCondLst>
+                                            <p:cond delay="0"/>
+                                          </p:stCondLst>
+                                        </p:cTn>
+                                        <p:tgtEl>
+                                          <p:spTgt spid="4"/>
+                                        </p:tgtEl>
+                                        <p:attrNameLst>
+                                          <p:attrName>style.visibility</p:attrName>
+                                        </p:attrNameLst>
+                                      </p:cBhvr>
+                                      <p:to>
+                                        <p:strVal val="visible"/>
+                                      </p:to>
+                                    </p:set>
+                                    <p:anim to="" calcmode="lin" valueType="num">
+                                      <p:cBhvr>
+                                        <p:cTn id="7" dur="700" fill="hold">
+                                          <p:stCondLst>
+                                            <p:cond delay="0"/>
+                                          </p:stCondLst>
+                                        </p:cTn>
+                                        <p:tgtEl>
+                                          <p:spTgt spid="4"/>
+                                        </p:tgtEl>
+                                        <p:attrNameLst>
+                                          <p:attrName>ppt_x</p:attrName>
+                                        </p:attrNameLst>
+                                      </p:cBhvr>
+                                      <p:tavLst>
+                                        <p:tav tm="0" fmla="#ppt_x-(-#ppt_w/2*cos(ppt_r/180*pi))*((1.5-1.5*$)^2-(1.5-1.5*$)^3)">
+                                          <p:val>
+                                            <p:strVal val="0"/>
+                                          </p:val>
+                                        </p:tav>
+                                        <p:tav tm="100000">
+                                          <p:val>
+                                            <p:strVal val="1"/>
+                                          </p:val>
+                                        </p:tav>
+                                      </p:tavLst>
+                                    </p:anim>
+                                    <p:anim to="" calcmode="lin" valueType="num">
+                                      <p:cBhvr>
+                                        <p:cTn id="8" dur="700" fill="hold">
+                                          <p:stCondLst>
+                                            <p:cond delay="0"/>
+                                          </p:stCondLst>
+                                        </p:cTn>
+                                        <p:tgtEl>
+                                          <p:spTgt spid="4"/>
+                                        </p:tgtEl>
+                                        <p:attrNameLst>
+                                          <p:attrName>ppt_y</p:attrName>
+                                        </p:attrNameLst>
+                                      </p:cBhvr>
+                                      <p:tavLst>
+                                        <p:tav tm="0" fmla="#ppt_y+(-#ppt_h/2*cos(ppt_r/180*pi))*((1.5-1.5*$)^2-(1.5-1.5*$)^3)">
+                                          <p:val>
+                                            <p:strVal val="0"/>
+                                          </p:val>
+                                        </p:tav>
+                                        <p:tav tm="100000">
+                                          <p:val>
+                                            <p:strVal val="1"/>
+                                          </p:val>
+                                        </p:tav>
+                                      </p:tavLst>
+                                    </p:anim>
+                                    <p:anim to="" calcmode="lin" valueType="num">
+                                      <p:cBhvr>
+                                        <p:cTn id="9" dur="700" fill="hold">
+                                          <p:stCondLst>
+                                            <p:cond delay="0"/>
+                                          </p:stCondLst>
+                                        </p:cTn>
+                                        <p:tgtEl>
+                                          <p:spTgt spid="4"/>
+                                        </p:tgtEl>
+                                        <p:attrNameLst>
+                                          <p:attrName>ppt_h</p:attrName>
+                                        </p:attrNameLst>
+                                      </p:cBhvr>
+                                      <p:tavLst>
+                                        <p:tav tm="0" fmla="#ppt_h-(-#ppt_h)*((1.5-1.5*$)^2-(1.5-1.5*$)^3)">
+                                          <p:val>
+                                            <p:strVal val="0"/>
+                                          </p:val>
+                                        </p:tav>
+                                        <p:tav tm="100000">
+                                          <p:val>
+                                            <p:strVal val="1"/>
+                                          </p:val>
+                                        </p:tav>
+                                      </p:tavLst>
+                                    </p:anim>
+                                    <p:anim to="" calcmode="lin" valueType="num">
+                                      <p:cBhvr>
+                                        <p:cTn id="10" dur="700" fill="hold">
+                                          <p:stCondLst>
+                                            <p:cond delay="0"/>
+                                          </p:stCondLst>
+                                        </p:cTn>
+                                        <p:tgtEl>
+                                          <p:spTgt spid="4"/>
+                                        </p:tgtEl>
+                                        <p:attrNameLst>
+                                          <p:attrName>ppt_w</p:attrName>
+                                        </p:attrNameLst>
+                                      </p:cBhvr>
+                                      <p:tavLst>
+                                        <p:tav tm="0" fmla="#ppt_w-(-#ppt_w)*((1.5-1.5*$)^2-(1.5-1.5*$)^3)">
+                                          <p:val>
+                                            <p:strVal val="0"/>
+                                          </p:val>
+                                        </p:tav>
+                                        <p:tav tm="100000">
+                                          <p:val>
+                                            <p:strVal val="1"/>
+                                          </p:val>
+                                        </p:tav>
+                                      </p:tavLst>
+                                    </p:anim>
+                                  </p:childTnLst>
+                                </p:cTn>
+                              </p:par>
+                              <p:par>
+                                <p:cTn id="11" presetID="0" presetClass="entr" presetSubtype="0" fill="hold" nodeType="withEffect">
+                                  <p:stCondLst>
+                                    <p:cond delay="0"/>
+                                  </p:stCondLst>
+                                  <p:iterate type="lt">
+                                    <p:tmPct val="10000"/>
+                                  </p:iterate>
+                                  <p:childTnLst>
+                                    <p:set>
+                                      <p:cBhvr>
+                                        <p:cTn id="12" dur="1" fill="hold">
+                                          <p:stCondLst>
+                                            <p:cond delay="0"/>
+                                          </p:stCondLst>
+                                        </p:cTn>
+                                        <p:tgtEl>
+                                          <p:spTgt spid="5"/>
+                                        </p:tgtEl>
+                                        <p:attrNameLst>
+                                          <p:attrName>style.visibility</p:attrName>
+                                        </p:attrNameLst>
+                                      </p:cBhvr>
+                                      <p:to>
+                                        <p:strVal val="visible"/>
+                                      </p:to>
+                                    </p:set>
+                                    <p:anim to="" calcmode="lin" valueType="num">
+                                      <p:cBhvr>
+                                        <p:cTn id="13" dur="700" fill="hold">
+                                          <p:stCondLst>
+                                            <p:cond delay="0"/>
+                                          </p:stCondLst>
+                                        </p:cTn>
+                                        <p:tgtEl>
+                                          <p:spTgt spid="5"/>
+                                        </p:tgtEl>
+                                        <p:attrNameLst>
+                                          <p:attrName>ppt_x</p:attrName>
+                                        </p:attrNameLst>
+                                      </p:cBhvr>
+                                      <p:tavLst>
+                                        <p:tav tm="0" fmla="#ppt_x-(-#ppt_w/2*cos(ppt_r/180*pi))*((1.5-1.5*$)^2-(1.5-1.5*$)^3)">
+                                          <p:val>
+                                            <p:strVal val="0"/>
+                                          </p:val>
+                                        </p:tav>
+                                        <p:tav tm="100000">
+                                          <p:val>
+                                            <p:strVal val="1"/>
+                                          </p:val>
+                                        </p:tav>
+                                      </p:tavLst>
+                                    </p:anim>
+                                    <p:anim to="" calcmode="lin" valueType="num">
+                                      <p:cBhvr>
+                                        <p:cTn id="14" dur="700" fill="hold">
+                                          <p:stCondLst>
+                                            <p:cond delay="0"/>
+                                          </p:stCondLst>
+                                        </p:cTn>
+                                        <p:tgtEl>
+                                          <p:spTgt spid="5"/>
+                                        </p:tgtEl>
+                                        <p:attrNameLst>
+                                          <p:attrName>ppt_y</p:attrName>
+                                        </p:attrNameLst>
+                                      </p:cBhvr>
+                                      <p:tavLst>
+                                        <p:tav tm="0" fmla="#ppt_y+(-#ppt_h/2*cos(ppt_r/180*pi))*((1.5-1.5*$)^2-(1.5-1.5*$)^3)">
+                                          <p:val>
+                                            <p:strVal val="0"/>
+                                          </p:val>
+                                        </p:tav>
+                                        <p:tav tm="100000">
+                                          <p:val>
+                                            <p:strVal val="1"/>
+                                          </p:val>
+                                        </p:tav>
+                                      </p:tavLst>
+                                    </p:anim>
+                                    <p:anim to="" calcmode="lin" valueType="num">
+                                      <p:cBhvr>
+                                        <p:cTn id="15" dur="700" fill="hold">
+                                          <p:stCondLst>
+                                            <p:cond delay="0"/>
+                                          </p:stCondLst>
+                                        </p:cTn>
+                                        <p:tgtEl>
+                                          <p:spTgt spid="5"/>
+                                        </p:tgtEl>
+                                        <p:attrNameLst>
+                                          <p:attrName>ppt_h</p:attrName>
+                                        </p:attrNameLst>
+                                      </p:cBhvr>
+                                      <p:tavLst>
+                                        <p:tav tm="0" fmla="#ppt_h-(-#ppt_h)*((1.5-1.5*$)^2-(1.5-1.5*$)^3)">
+                                          <p:val>
+                                            <p:strVal val="0"/>
+                                          </p:val>
+                                        </p:tav>
+                                        <p:tav tm="100000">
+                                          <p:val>
+                                            <p:strVal val="1"/>
+                                          </p:val>
+                                        </p:tav>
+                                      </p:tavLst>
+                                    </p:anim>
+                                    <p:anim to="" calcmode="lin" valueType="num">
+                                      <p:cBhvr>
+                                        <p:cTn id="16" dur="700" fill="hold">
+                                          <p:stCondLst>
+                                            <p:cond delay="0"/>
+                                          </p:stCondLst>
+                                        </p:cTn>
+                                        <p:tgtEl>
+                                          <p:spTgt spid="5"/>
+                                        </p:tgtEl>
+                                        <p:attrNameLst>
+                                          <p:attrName>ppt_w</p:attrName>
+                                        </p:attrNameLst>
+                                      </p:cBhvr>
+                                      <p:tavLst>
+                                        <p:tav tm="0" fmla="#ppt_w-(-#ppt_w)*((1.5-1.5*$)^2-(1.5-1.5*$)^3)">
+                                          <p:val>
+                                            <p:strVal val="0"/>
+                                          </p:val>
+                                        </p:tav>
+                                        <p:tav tm="100000">
+                                          <p:val>
+                                            <p:strVal val="1"/>
+                                          </p:val>
+                                        </p:tav>
+                                      </p:tavLst>
+                                    </p:anim>
+                                  </p:childTnLst>
+                                </p:cTn>
+                              </p:par>
+                            </p:childTnLst>
+                          </p:cTn>
+                        </p:par>
+                      </p:childTnLst>
+                    </p:cTn>
+                  </p:par>
+                </p:childTnLst>
+              </p:cTn>
+              <p:prevCondLst>
+                <p:cond evt="onPrev" delay="0">
+                  <p:tgtEl>
+                    <p:sldTgt/>
+                  </p:tgtEl>
+                </p:cond>
+              </p:prevCondLst>
+              <p:nextCondLst>
+                <p:cond evt="onNext" delay="0">
+                  <p:tgtEl>
+                    <p:sldTgt/>
+                  </p:tgtEl>
+                </p:cond>
+              </p:nextCondLst>
+            </p:seq>
+          </p:childTnLst>
+        </p:cTn>
+      </p:par>
+    </p:tnLst>
+    <p:bldLst>
+      <p:bldP spid="4" grpId="0"/>
+    </p:bldLst>
+  </p:timing>
+</p:sld>
+</file>
+
+<file path=ppt/slides/slide19.xml><?xml version="1.0" encoding="utf-8"?>
+<p:sld xmlns:a="http://schemas.openxmlformats.org/drawingml/2006/main" xmlns:r="http://schemas.openxmlformats.org/officeDocument/2006/relationships" xmlns:p="http://schemas.openxmlformats.org/presentationml/2006/main">
+  <p:cSld>
+    <p:spTree>
+      <p:nvGrpSpPr>
+        <p:cNvPr id="1" name=""/>
+        <p:cNvGrpSpPr/>
+        <p:nvPr/>
+      </p:nvGrpSpPr>
+      <p:grpSpPr>
+        <a:xfrm>
+          <a:off x="0" y="0"/>
+          <a:ext cx="0" cy="0"/>
+          <a:chOff x="0" y="0"/>
+          <a:chExt cx="0" cy="0"/>
+        </a:xfrm>
+      </p:grpSpPr>
+      <p:sp>
+        <p:nvSpPr>
+          <p:cNvPr id="4" name="PA_矩形 39"/>
+          <p:cNvSpPr>
+            <a:spLocks noChangeArrowheads="1"/>
+          </p:cNvSpPr>
+          <p:nvPr>
+            <p:custDataLst>
+              <p:tags r:id="rId1"/>
+            </p:custDataLst>
+          </p:nvPr>
+        </p:nvSpPr>
+        <p:spPr bwMode="auto">
+          <a:xfrm>
+            <a:off x="554879" y="371042"/>
+            <a:ext cx="5357406" cy="841321"/>
+          </a:xfrm>
+          <a:prstGeom prst="rect">
+            <a:avLst/>
+          </a:prstGeom>
+          <a:noFill/>
+          <a:ln>
+            <a:noFill/>
+          </a:ln>
+          <a:extLst>
+            <a:ext uri="{909E8E84-426E-40DD-AFC4-6F175D3DCCD1}">
+              <a14:hiddenFill xmlns:a14="http://schemas.microsoft.com/office/drawing/2010/main">
+                <a:solidFill>
+                  <a:srgbClr val="FFFFFF"/>
+                </a:solidFill>
+              </a14:hiddenFill>
+            </a:ext>
+            <a:ext uri="{91240B29-F687-4F45-9708-019B960494DF}">
+              <a14:hiddenLine xmlns:a14="http://schemas.microsoft.com/office/drawing/2010/main" w="9525">
+                <a:solidFill>
+                  <a:srgbClr val="000000"/>
+                </a:solidFill>
+                <a:miter lim="800000"/>
+                <a:headEnd/>
+                <a:tailEnd/>
+              </a14:hiddenLine>
+            </a:ext>
+          </a:extLst>
+        </p:spPr>
+        <p:txBody>
+          <a:bodyPr wrap="square" lIns="0" tIns="0" rIns="0" bIns="0">
+            <a:spAutoFit/>
+          </a:bodyPr>
+          <a:lstStyle/>
+          <a:p>
+            <a:pPr defTabSz="1219170"/>
+            <a:r>
+              <a:rPr lang="en-US" altLang="zh-CN" sz="2800" dirty="0">
+                <a:solidFill>
+                  <a:srgbClr val="1D69A3"/>
+                </a:solidFill>
+                <a:latin typeface="微软雅黑" pitchFamily="34" charset="-122"/>
+                <a:ea typeface="微软雅黑" pitchFamily="34" charset="-122"/>
+              </a:rPr>
+              <a:t>Synchronized</a:t>
+            </a:r>
+            <a:endParaRPr lang="zh-CN" altLang="en-US" sz="2800" dirty="0">
+              <a:solidFill>
+                <a:srgbClr val="1D69A3"/>
+              </a:solidFill>
+              <a:latin typeface="微软雅黑" pitchFamily="34" charset="-122"/>
+              <a:ea typeface="微软雅黑" pitchFamily="34" charset="-122"/>
+            </a:endParaRPr>
+          </a:p>
+          <a:p>
+            <a:pPr defTabSz="1219170"/>
+            <a:endParaRPr lang="zh-CN" altLang="en-US" sz="2667" dirty="0" smtClean="0">
+              <a:solidFill>
+                <a:srgbClr val="1D69A3"/>
+              </a:solidFill>
+              <a:latin typeface="微软雅黑" pitchFamily="34" charset="-122"/>
+              <a:ea typeface="微软雅黑" pitchFamily="34" charset="-122"/>
+            </a:endParaRPr>
+          </a:p>
+        </p:txBody>
+      </p:sp>
+      <p:grpSp>
+        <p:nvGrpSpPr>
+          <p:cNvPr id="5" name="PA_组合 47"/>
+          <p:cNvGrpSpPr/>
+          <p:nvPr>
+            <p:custDataLst>
+              <p:tags r:id="rId2"/>
+            </p:custDataLst>
+          </p:nvPr>
+        </p:nvGrpSpPr>
+        <p:grpSpPr>
+          <a:xfrm>
+            <a:off x="554877" y="932724"/>
+            <a:ext cx="1199456" cy="74689"/>
+            <a:chOff x="0" y="2842590"/>
+            <a:chExt cx="7054752" cy="89199"/>
+          </a:xfrm>
+        </p:grpSpPr>
+        <p:sp>
+          <p:nvSpPr>
+            <p:cNvPr id="6" name="矩形 5"/>
+            <p:cNvSpPr/>
+            <p:nvPr/>
+          </p:nvSpPr>
+          <p:spPr>
+            <a:xfrm>
+              <a:off x="0" y="2842590"/>
+              <a:ext cx="1763688" cy="89199"/>
+            </a:xfrm>
+            <a:prstGeom prst="rect">
+              <a:avLst/>
+            </a:prstGeom>
+            <a:solidFill>
+              <a:schemeClr val="accent1"/>
+            </a:solidFill>
+            <a:ln>
+              <a:noFill/>
+            </a:ln>
+          </p:spPr>
+          <p:style>
+            <a:lnRef idx="2">
+              <a:schemeClr val="accent1">
+                <a:shade val="50000"/>
+              </a:schemeClr>
+            </a:lnRef>
+            <a:fillRef idx="1">
+              <a:schemeClr val="accent1"/>
+            </a:fillRef>
+            <a:effectRef idx="0">
+              <a:schemeClr val="accent1"/>
+            </a:effectRef>
+            <a:fontRef idx="minor">
+              <a:schemeClr val="lt1"/>
+            </a:fontRef>
+          </p:style>
+          <p:txBody>
+            <a:bodyPr rtlCol="0" anchor="ctr"/>
+            <a:lstStyle/>
+            <a:p>
+              <a:pPr algn="ctr" defTabSz="1219170"/>
+              <a:endParaRPr lang="zh-CN" altLang="en-US" sz="2400">
+                <a:solidFill>
+                  <a:srgbClr val="FFFFFF"/>
+                </a:solidFill>
+                <a:latin typeface="Calibri"/>
+                <a:ea typeface="宋体" panose="02010600030101010101" pitchFamily="2" charset="-122"/>
+              </a:endParaRPr>
+            </a:p>
+          </p:txBody>
+        </p:sp>
+        <p:sp>
+          <p:nvSpPr>
+            <p:cNvPr id="7" name="矩形 6"/>
+            <p:cNvSpPr/>
+            <p:nvPr/>
+          </p:nvSpPr>
+          <p:spPr>
+            <a:xfrm>
+              <a:off x="1763688" y="2842590"/>
+              <a:ext cx="1763688" cy="89199"/>
+            </a:xfrm>
+            <a:prstGeom prst="rect">
+              <a:avLst/>
+            </a:prstGeom>
+            <a:solidFill>
+              <a:schemeClr val="accent2"/>
+            </a:solidFill>
+            <a:ln>
+              <a:noFill/>
+            </a:ln>
+          </p:spPr>
+          <p:style>
+            <a:lnRef idx="2">
+              <a:schemeClr val="accent1">
+                <a:shade val="50000"/>
+              </a:schemeClr>
+            </a:lnRef>
+            <a:fillRef idx="1">
+              <a:schemeClr val="accent1"/>
+            </a:fillRef>
+            <a:effectRef idx="0">
+              <a:schemeClr val="accent1"/>
+            </a:effectRef>
+            <a:fontRef idx="minor">
+              <a:schemeClr val="lt1"/>
+            </a:fontRef>
+          </p:style>
+          <p:txBody>
+            <a:bodyPr rtlCol="0" anchor="ctr"/>
+            <a:lstStyle/>
+            <a:p>
+              <a:pPr algn="ctr" defTabSz="1219170"/>
+              <a:endParaRPr lang="zh-CN" altLang="en-US" sz="2400">
+                <a:solidFill>
+                  <a:srgbClr val="FFFFFF"/>
+                </a:solidFill>
+                <a:latin typeface="Calibri"/>
+                <a:ea typeface="宋体" panose="02010600030101010101" pitchFamily="2" charset="-122"/>
+              </a:endParaRPr>
+            </a:p>
+          </p:txBody>
+        </p:sp>
+        <p:sp>
+          <p:nvSpPr>
+            <p:cNvPr id="8" name="矩形 7"/>
+            <p:cNvSpPr/>
+            <p:nvPr/>
+          </p:nvSpPr>
+          <p:spPr>
+            <a:xfrm>
+              <a:off x="3527376" y="2842590"/>
+              <a:ext cx="1763688" cy="89199"/>
+            </a:xfrm>
+            <a:prstGeom prst="rect">
+              <a:avLst/>
+            </a:prstGeom>
+            <a:solidFill>
+              <a:schemeClr val="accent3"/>
+            </a:solidFill>
+            <a:ln>
+              <a:noFill/>
+            </a:ln>
+          </p:spPr>
+          <p:style>
+            <a:lnRef idx="2">
+              <a:schemeClr val="accent1">
+                <a:shade val="50000"/>
+              </a:schemeClr>
+            </a:lnRef>
+            <a:fillRef idx="1">
+              <a:schemeClr val="accent1"/>
+            </a:fillRef>
+            <a:effectRef idx="0">
+              <a:schemeClr val="accent1"/>
+            </a:effectRef>
+            <a:fontRef idx="minor">
+              <a:schemeClr val="lt1"/>
+            </a:fontRef>
+          </p:style>
+          <p:txBody>
+            <a:bodyPr rtlCol="0" anchor="ctr"/>
+            <a:lstStyle/>
+            <a:p>
+              <a:pPr algn="ctr" defTabSz="1219170"/>
+              <a:endParaRPr lang="zh-CN" altLang="en-US" sz="2400">
+                <a:solidFill>
+                  <a:srgbClr val="FFFFFF"/>
+                </a:solidFill>
+                <a:latin typeface="Calibri"/>
+                <a:ea typeface="宋体" panose="02010600030101010101" pitchFamily="2" charset="-122"/>
+              </a:endParaRPr>
+            </a:p>
+          </p:txBody>
+        </p:sp>
+        <p:sp>
+          <p:nvSpPr>
+            <p:cNvPr id="9" name="矩形 8"/>
+            <p:cNvSpPr/>
+            <p:nvPr/>
+          </p:nvSpPr>
+          <p:spPr>
+            <a:xfrm>
+              <a:off x="5291064" y="2842590"/>
+              <a:ext cx="1763688" cy="89199"/>
+            </a:xfrm>
+            <a:prstGeom prst="rect">
+              <a:avLst/>
+            </a:prstGeom>
+            <a:solidFill>
+              <a:schemeClr val="accent4"/>
+            </a:solidFill>
+            <a:ln>
+              <a:noFill/>
+            </a:ln>
+          </p:spPr>
+          <p:style>
+            <a:lnRef idx="2">
+              <a:schemeClr val="accent1">
+                <a:shade val="50000"/>
+              </a:schemeClr>
+            </a:lnRef>
+            <a:fillRef idx="1">
+              <a:schemeClr val="accent1"/>
+            </a:fillRef>
+            <a:effectRef idx="0">
+              <a:schemeClr val="accent1"/>
+            </a:effectRef>
+            <a:fontRef idx="minor">
+              <a:schemeClr val="lt1"/>
+            </a:fontRef>
+          </p:style>
+          <p:txBody>
+            <a:bodyPr rtlCol="0" anchor="ctr"/>
+            <a:lstStyle/>
+            <a:p>
+              <a:pPr algn="ctr" defTabSz="1219170"/>
+              <a:endParaRPr lang="zh-CN" altLang="en-US" sz="2400">
+                <a:solidFill>
+                  <a:srgbClr val="FFFFFF"/>
+                </a:solidFill>
+                <a:latin typeface="Calibri"/>
+                <a:ea typeface="宋体" panose="02010600030101010101" pitchFamily="2" charset="-122"/>
+              </a:endParaRPr>
+            </a:p>
+          </p:txBody>
+        </p:sp>
+      </p:grpSp>
+      <p:sp>
+        <p:nvSpPr>
+          <p:cNvPr id="2" name="文本框 1"/>
+          <p:cNvSpPr txBox="1"/>
+          <p:nvPr/>
+        </p:nvSpPr>
+        <p:spPr>
+          <a:xfrm>
+            <a:off x="554877" y="1333500"/>
+            <a:ext cx="9338423" cy="2031325"/>
+          </a:xfrm>
+          <a:prstGeom prst="rect">
+            <a:avLst/>
+          </a:prstGeom>
+          <a:noFill/>
+        </p:spPr>
+        <p:txBody>
+          <a:bodyPr wrap="square" rtlCol="0">
+            <a:spAutoFit/>
+          </a:bodyPr>
+          <a:lstStyle/>
+          <a:p>
+            <a:r>
+              <a:rPr lang="en-US" altLang="zh-CN" b="1" dirty="0" smtClean="0"/>
+              <a:t>1.Synchronized</a:t>
+            </a:r>
+            <a:r>
+              <a:rPr lang="en-US" altLang="zh-CN" b="1" dirty="0"/>
+              <a:t> static</a:t>
+            </a:r>
+            <a:r>
+              <a:rPr lang="zh-CN" altLang="zh-CN" b="1" dirty="0"/>
+              <a:t>与非</a:t>
+            </a:r>
+            <a:r>
+              <a:rPr lang="en-US" altLang="zh-CN" b="1" dirty="0"/>
+              <a:t>static</a:t>
+            </a:r>
+            <a:r>
+              <a:rPr lang="zh-CN" altLang="zh-CN" b="1" dirty="0"/>
+              <a:t>锁的区别和范围（小米）</a:t>
+            </a:r>
+          </a:p>
+          <a:p>
+            <a:r>
+              <a:rPr lang="zh-CN" altLang="zh-CN" dirty="0"/>
+              <a:t>对象锁是用于对象实例方法，或者一个对象实例上的，类锁是用于类的静态方法或者一个类的</a:t>
+            </a:r>
+            <a:r>
+              <a:rPr lang="en-US" altLang="zh-CN" dirty="0"/>
+              <a:t>class</a:t>
+            </a:r>
+            <a:r>
+              <a:rPr lang="zh-CN" altLang="zh-CN" dirty="0"/>
+              <a:t>对象上的。我们知道，类的对象实例可以有很多个，但是每个类只有一个</a:t>
+            </a:r>
+            <a:r>
+              <a:rPr lang="en-US" altLang="zh-CN" dirty="0"/>
+              <a:t>class</a:t>
+            </a:r>
+            <a:r>
+              <a:rPr lang="zh-CN" altLang="zh-CN" dirty="0"/>
+              <a:t>对象，所以不同对象实例的对象锁是互不干扰的，但是每个类只有一个类锁。</a:t>
+            </a:r>
+          </a:p>
+          <a:p>
+            <a:r>
+              <a:rPr lang="zh-CN" altLang="zh-CN" dirty="0"/>
+              <a:t>但是有一点必须注意的是，其实类锁只是一个概念上的东西，并不是真实存在的，类锁其实锁的是每个类的对应的</a:t>
+            </a:r>
+            <a:r>
+              <a:rPr lang="en-US" altLang="zh-CN" dirty="0"/>
+              <a:t>class</a:t>
+            </a:r>
+            <a:r>
+              <a:rPr lang="zh-CN" altLang="zh-CN" dirty="0"/>
+              <a:t>对象。类锁和对象锁之间也是互不干扰的。</a:t>
+            </a:r>
+          </a:p>
+          <a:p>
+            <a:endParaRPr lang="zh-CN" altLang="en-US" dirty="0"/>
+          </a:p>
+        </p:txBody>
+      </p:sp>
+      <p:sp>
+        <p:nvSpPr>
+          <p:cNvPr id="3" name="文本框 2"/>
+          <p:cNvSpPr txBox="1"/>
+          <p:nvPr/>
+        </p:nvSpPr>
+        <p:spPr>
+          <a:xfrm>
+            <a:off x="554877" y="3485962"/>
+            <a:ext cx="10392523" cy="3416320"/>
+          </a:xfrm>
+          <a:prstGeom prst="rect">
+            <a:avLst/>
+          </a:prstGeom>
+          <a:noFill/>
+        </p:spPr>
+        <p:txBody>
+          <a:bodyPr wrap="square" rtlCol="0">
+            <a:spAutoFit/>
+          </a:bodyPr>
+          <a:lstStyle/>
+          <a:p>
+            <a:r>
+              <a:rPr lang="en-US" altLang="zh-CN" b="1" dirty="0" smtClean="0"/>
+              <a:t>2.Synchronized</a:t>
+            </a:r>
+            <a:r>
+              <a:rPr lang="zh-CN" altLang="zh-CN" b="1" dirty="0"/>
+              <a:t>做了哪些优化</a:t>
+            </a:r>
+            <a:r>
+              <a:rPr lang="en-US" altLang="zh-CN" b="1" dirty="0"/>
+              <a:t> </a:t>
+            </a:r>
+            <a:r>
+              <a:rPr lang="zh-CN" altLang="zh-CN" b="1" dirty="0"/>
+              <a:t>（京东）</a:t>
+            </a:r>
+          </a:p>
+          <a:p>
+            <a:r>
+              <a:rPr lang="zh-CN" altLang="zh-CN" dirty="0"/>
+              <a:t>引入如自旋锁、适应性自旋锁、锁消除、锁粗化、偏向锁、轻量级锁、逃逸分析</a:t>
+            </a:r>
+          </a:p>
+          <a:p>
+            <a:r>
+              <a:rPr lang="zh-CN" altLang="zh-CN" dirty="0"/>
+              <a:t>等技术来减少锁操作的开销。</a:t>
+            </a:r>
+          </a:p>
+          <a:p>
+            <a:r>
+              <a:rPr lang="zh-CN" altLang="zh-CN" dirty="0"/>
+              <a:t>逃逸分析</a:t>
+            </a:r>
+          </a:p>
+          <a:p>
+            <a:r>
+              <a:rPr lang="zh-CN" altLang="zh-CN" dirty="0"/>
+              <a:t>如果证明一个对象不会逃逸方法外或者线程外，则可针对此变量进行优化：</a:t>
+            </a:r>
+          </a:p>
+          <a:p>
+            <a:r>
+              <a:rPr lang="zh-CN" altLang="zh-CN" dirty="0"/>
+              <a:t>同步消除</a:t>
+            </a:r>
+            <a:r>
+              <a:rPr lang="en-US" altLang="zh-CN" dirty="0"/>
+              <a:t>synchronization Elimination</a:t>
+            </a:r>
+            <a:r>
+              <a:rPr lang="zh-CN" altLang="zh-CN" dirty="0"/>
+              <a:t>，如果一个对象不会逃逸出线程，则对此变量的同步措施可消除。</a:t>
+            </a:r>
+          </a:p>
+          <a:p>
+            <a:r>
+              <a:rPr lang="zh-CN" altLang="zh-CN" dirty="0"/>
+              <a:t>锁消除和粗化</a:t>
+            </a:r>
+          </a:p>
+          <a:p>
+            <a:r>
+              <a:rPr lang="zh-CN" altLang="zh-CN" dirty="0"/>
+              <a:t>锁消除：虚拟机的运行时编译器在运行时如果检测到一些要求同步的代码上不可能发生共享数据竞争，则会去掉这些锁。</a:t>
+            </a:r>
+          </a:p>
+          <a:p>
+            <a:r>
+              <a:rPr lang="zh-CN" altLang="zh-CN" dirty="0"/>
+              <a:t>锁粗化：将临近的代码块用同一个锁合并起来。减少上下文切换</a:t>
+            </a:r>
+          </a:p>
+          <a:p>
+            <a:r>
+              <a:rPr lang="zh-CN" altLang="zh-CN" dirty="0"/>
+              <a:t>消除无意义的锁获取和释放，可以提高程序运行性能。</a:t>
+            </a:r>
+          </a:p>
+          <a:p>
+            <a:endParaRPr lang="zh-CN" altLang="en-US" b="1" dirty="0"/>
+          </a:p>
+        </p:txBody>
+      </p:sp>
+    </p:spTree>
+    <p:extLst>
+      <p:ext uri="{BB962C8B-B14F-4D97-AF65-F5344CB8AC3E}">
+        <p14:creationId xmlns:p14="http://schemas.microsoft.com/office/powerpoint/2010/main" val="1366914489"/>
       </p:ext>
     </p:extLst>
   </p:cSld>
@@ -14595,13 +15944,6 @@
               </a:rPr>
               <a:t>锁</a:t>
             </a:r>
-            <a:endParaRPr lang="zh-CN" altLang="en-US" sz="2667" dirty="0" smtClean="0">
-              <a:solidFill>
-                <a:srgbClr val="1D69A3"/>
-              </a:solidFill>
-              <a:latin typeface="微软雅黑" pitchFamily="34" charset="-122"/>
-              <a:ea typeface="微软雅黑" pitchFamily="34" charset="-122"/>
-            </a:endParaRPr>
           </a:p>
         </p:txBody>
       </p:sp>
@@ -15293,13 +16635,6 @@
               </a:rPr>
               <a:t>锁</a:t>
             </a:r>
-            <a:endParaRPr lang="zh-CN" altLang="en-US" sz="2667" dirty="0" smtClean="0">
-              <a:solidFill>
-                <a:srgbClr val="1D69A3"/>
-              </a:solidFill>
-              <a:latin typeface="微软雅黑" pitchFamily="34" charset="-122"/>
-              <a:ea typeface="微软雅黑" pitchFamily="34" charset="-122"/>
-            </a:endParaRPr>
           </a:p>
         </p:txBody>
       </p:sp>
@@ -17071,6 +18406,18 @@
 </file>
 
 <file path=ppt/tags/tag36.xml><?xml version="1.0" encoding="utf-8"?>
+<p:tagLst xmlns:a="http://schemas.openxmlformats.org/drawingml/2006/main" xmlns:r="http://schemas.openxmlformats.org/officeDocument/2006/relationships" xmlns:p="http://schemas.openxmlformats.org/presentationml/2006/main">
+  <p:tag name="PA" val="v4.1.3"/>
+</p:tagLst>
+</file>
+
+<file path=ppt/tags/tag37.xml><?xml version="1.0" encoding="utf-8"?>
+<p:tagLst xmlns:a="http://schemas.openxmlformats.org/drawingml/2006/main" xmlns:r="http://schemas.openxmlformats.org/officeDocument/2006/relationships" xmlns:p="http://schemas.openxmlformats.org/presentationml/2006/main">
+  <p:tag name="PA" val="v4.1.3"/>
+</p:tagLst>
+</file>
+
+<file path=ppt/tags/tag38.xml><?xml version="1.0" encoding="utf-8"?>
 <p:tagLst xmlns:a="http://schemas.openxmlformats.org/drawingml/2006/main" xmlns:r="http://schemas.openxmlformats.org/officeDocument/2006/relationships" xmlns:p="http://schemas.openxmlformats.org/presentationml/2006/main">
   <p:tag name="PA" val="v4.1.3"/>
 </p:tagLst>
